--- a/FINAL_PROJECT[1].pptx
+++ b/FINAL_PROJECT[1].pptx
@@ -220,7 +220,7 @@
           <a:p>
             <a:fld id="{84B86612-B127-4CD0-BF15-66D49A7175F7}" type="datetimeFigureOut">
               <a:rPr lang="en-IN" smtClean="0"/>
-              <a:t>02-09-2025</a:t>
+              <a:t>11-09-2025</a:t>
             </a:fld>
             <a:endParaRPr lang="en-IN"/>
           </a:p>
@@ -717,7 +717,7 @@
           <a:p>
             <a:fld id="{1D8BD707-D9CF-40AE-B4C6-C98DA3205C09}" type="datetimeFigureOut">
               <a:rPr lang="en-US"/>
-              <a:t>9/2/2025</a:t>
+              <a:t>9/11/2025</a:t>
             </a:fld>
             <a:endParaRPr lang="en-US"/>
           </a:p>
@@ -897,7 +897,7 @@
           <a:p>
             <a:fld id="{1D8BD707-D9CF-40AE-B4C6-C98DA3205C09}" type="datetimeFigureOut">
               <a:rPr lang="en-US"/>
-              <a:t>9/2/2025</a:t>
+              <a:t>9/11/2025</a:t>
             </a:fld>
             <a:endParaRPr lang="en-US"/>
           </a:p>
@@ -1120,7 +1120,7 @@
           <a:p>
             <a:fld id="{1D8BD707-D9CF-40AE-B4C6-C98DA3205C09}" type="datetimeFigureOut">
               <a:rPr lang="en-US"/>
-              <a:t>9/2/2025</a:t>
+              <a:t>9/11/2025</a:t>
             </a:fld>
             <a:endParaRPr lang="en-US"/>
           </a:p>
@@ -1277,7 +1277,7 @@
           <a:p>
             <a:fld id="{1D8BD707-D9CF-40AE-B4C6-C98DA3205C09}" type="datetimeFigureOut">
               <a:rPr lang="en-US"/>
-              <a:t>9/2/2025</a:t>
+              <a:t>9/11/2025</a:t>
             </a:fld>
             <a:endParaRPr lang="en-US"/>
           </a:p>
@@ -1405,7 +1405,7 @@
           <a:p>
             <a:fld id="{1D8BD707-D9CF-40AE-B4C6-C98DA3205C09}" type="datetimeFigureOut">
               <a:rPr lang="en-US"/>
-              <a:t>9/2/2025</a:t>
+              <a:t>9/11/2025</a:t>
             </a:fld>
             <a:endParaRPr lang="en-US"/>
           </a:p>
@@ -2124,7 +2124,7 @@
           <a:p>
             <a:fld id="{1D8BD707-D9CF-40AE-B4C6-C98DA3205C09}" type="datetimeFigureOut">
               <a:rPr lang="en-US"/>
-              <a:t>9/2/2025</a:t>
+              <a:t>9/11/2025</a:t>
             </a:fld>
             <a:endParaRPr lang="en-US"/>
           </a:p>
@@ -2719,7 +2719,7 @@
           <p:cNvPr id="14" name="TextBox 13">
             <a:extLst>
               <a:ext uri="{FF2B5EF4-FFF2-40B4-BE49-F238E27FC236}">
-                <a16:creationId xmlns:a16="http://schemas.microsoft.com/office/drawing/2014/main" xmlns="" id="{D55ADE35-C35B-07C1-F5AA-C33B3DDB802E}"/>
+                <a16:creationId xmlns="" xmlns:a16="http://schemas.microsoft.com/office/drawing/2014/main" id="{D55ADE35-C35B-07C1-F5AA-C33B3DDB802E}"/>
               </a:ext>
             </a:extLst>
           </p:cNvPr>
@@ -3251,7 +3251,7 @@
           <p:cNvPr id="9" name="TextBox 8">
             <a:extLst>
               <a:ext uri="{FF2B5EF4-FFF2-40B4-BE49-F238E27FC236}">
-                <a16:creationId xmlns:a16="http://schemas.microsoft.com/office/drawing/2014/main" xmlns="" id="{FAD9CEB2-36E1-0550-426B-2FAF97882044}"/>
+                <a16:creationId xmlns="" xmlns:a16="http://schemas.microsoft.com/office/drawing/2014/main" id="{FAD9CEB2-36E1-0550-426B-2FAF97882044}"/>
               </a:ext>
             </a:extLst>
           </p:cNvPr>
@@ -3300,7 +3300,7 @@
           <p:cNvPr id="11" name="Picture 10">
             <a:extLst>
               <a:ext uri="{FF2B5EF4-FFF2-40B4-BE49-F238E27FC236}">
-                <a16:creationId xmlns:a16="http://schemas.microsoft.com/office/drawing/2014/main" xmlns="" id="{5D8DAB74-4CE1-5C12-337C-9D8EDEBF7ADA}"/>
+                <a16:creationId xmlns="" xmlns:a16="http://schemas.microsoft.com/office/drawing/2014/main" id="{5D8DAB74-4CE1-5C12-337C-9D8EDEBF7ADA}"/>
               </a:ext>
             </a:extLst>
           </p:cNvPr>
@@ -3310,15 +3310,21 @@
           <p:nvPr/>
         </p:nvPicPr>
         <p:blipFill>
-          <a:blip r:embed="rId3"/>
+          <a:blip r:embed="rId3">
+            <a:extLst>
+              <a:ext uri="{28A0092B-C50C-407E-A947-70E740481C1C}">
+                <a14:useLocalDpi xmlns:a14="http://schemas.microsoft.com/office/drawing/2010/main" val="0"/>
+              </a:ext>
+            </a:extLst>
+          </a:blip>
           <a:stretch>
             <a:fillRect/>
           </a:stretch>
         </p:blipFill>
         <p:spPr>
           <a:xfrm>
-            <a:off x="2459355" y="1638298"/>
-            <a:ext cx="9665970" cy="5162550"/>
+            <a:off x="2526030" y="1589850"/>
+            <a:ext cx="9665970" cy="4655942"/>
           </a:xfrm>
           <a:prstGeom prst="rect">
             <a:avLst/>
@@ -3355,7 +3361,7 @@
           <p:cNvPr id="2" name="Title 1">
             <a:extLst>
               <a:ext uri="{FF2B5EF4-FFF2-40B4-BE49-F238E27FC236}">
-                <a16:creationId xmlns:a16="http://schemas.microsoft.com/office/drawing/2014/main" xmlns="" id="{02E20639-2124-D971-B0AF-3D2F6CCA1001}"/>
+                <a16:creationId xmlns="" xmlns:a16="http://schemas.microsoft.com/office/drawing/2014/main" id="{02E20639-2124-D971-B0AF-3D2F6CCA1001}"/>
               </a:ext>
             </a:extLst>
           </p:cNvPr>
@@ -3380,7 +3386,7 @@
           <p:cNvPr id="4" name="Picture 3">
             <a:extLst>
               <a:ext uri="{FF2B5EF4-FFF2-40B4-BE49-F238E27FC236}">
-                <a16:creationId xmlns:a16="http://schemas.microsoft.com/office/drawing/2014/main" xmlns="" id="{8B9EDD70-D55D-88D7-2376-13DA41A92917}"/>
+                <a16:creationId xmlns="" xmlns:a16="http://schemas.microsoft.com/office/drawing/2014/main" id="{8B9EDD70-D55D-88D7-2376-13DA41A92917}"/>
               </a:ext>
             </a:extLst>
           </p:cNvPr>
@@ -3403,8 +3409,8 @@
         </p:blipFill>
         <p:spPr>
           <a:xfrm>
-            <a:off x="0" y="28575"/>
-            <a:ext cx="12192000" cy="6800849"/>
+            <a:off x="-1" y="1143634"/>
+            <a:ext cx="12192000" cy="5430497"/>
           </a:xfrm>
           <a:prstGeom prst="rect">
             <a:avLst/>
@@ -3446,7 +3452,7 @@
           <p:cNvPr id="2" name="Title 1">
             <a:extLst>
               <a:ext uri="{FF2B5EF4-FFF2-40B4-BE49-F238E27FC236}">
-                <a16:creationId xmlns:a16="http://schemas.microsoft.com/office/drawing/2014/main" xmlns="" id="{CA3E29CA-743D-8F0C-C94C-CE61137487C3}"/>
+                <a16:creationId xmlns="" xmlns:a16="http://schemas.microsoft.com/office/drawing/2014/main" id="{CA3E29CA-743D-8F0C-C94C-CE61137487C3}"/>
               </a:ext>
             </a:extLst>
           </p:cNvPr>
@@ -3471,7 +3477,7 @@
           <p:cNvPr id="4" name="Picture 3">
             <a:extLst>
               <a:ext uri="{FF2B5EF4-FFF2-40B4-BE49-F238E27FC236}">
-                <a16:creationId xmlns:a16="http://schemas.microsoft.com/office/drawing/2014/main" xmlns="" id="{30D2D64B-02D4-6796-4894-23D01F402A71}"/>
+                <a16:creationId xmlns="" xmlns:a16="http://schemas.microsoft.com/office/drawing/2014/main" id="{30D2D64B-02D4-6796-4894-23D01F402A71}"/>
               </a:ext>
             </a:extLst>
           </p:cNvPr>
@@ -3790,7 +3796,7 @@
           <p:cNvPr id="8" name="TextBox 7">
             <a:extLst>
               <a:ext uri="{FF2B5EF4-FFF2-40B4-BE49-F238E27FC236}">
-                <a16:creationId xmlns:a16="http://schemas.microsoft.com/office/drawing/2014/main" xmlns="" id="{D8378891-DB40-EC45-4285-B57CFFAE8088}"/>
+                <a16:creationId xmlns="" xmlns:a16="http://schemas.microsoft.com/office/drawing/2014/main" id="{D8378891-DB40-EC45-4285-B57CFFAE8088}"/>
               </a:ext>
             </a:extLst>
           </p:cNvPr>
@@ -4669,7 +4675,7 @@
           <p:cNvPr id="23" name="TextBox 22">
             <a:extLst>
               <a:ext uri="{FF2B5EF4-FFF2-40B4-BE49-F238E27FC236}">
-                <a16:creationId xmlns:a16="http://schemas.microsoft.com/office/drawing/2014/main" xmlns="" id="{6AB04F01-B938-227E-A186-38D7CAF7AFE3}"/>
+                <a16:creationId xmlns="" xmlns:a16="http://schemas.microsoft.com/office/drawing/2014/main" id="{6AB04F01-B938-227E-A186-38D7CAF7AFE3}"/>
               </a:ext>
             </a:extLst>
           </p:cNvPr>
@@ -5912,7 +5918,7 @@
           <p:cNvPr id="23" name="TextBox 22">
             <a:extLst>
               <a:ext uri="{FF2B5EF4-FFF2-40B4-BE49-F238E27FC236}">
-                <a16:creationId xmlns:a16="http://schemas.microsoft.com/office/drawing/2014/main" xmlns="" id="{D0827FA3-A9D4-0FE5-45BE-664C8C920E82}"/>
+                <a16:creationId xmlns="" xmlns:a16="http://schemas.microsoft.com/office/drawing/2014/main" id="{D0827FA3-A9D4-0FE5-45BE-664C8C920E82}"/>
               </a:ext>
             </a:extLst>
           </p:cNvPr>
@@ -6523,7 +6529,7 @@
           <p:cNvPr id="11" name="TextBox 10">
             <a:extLst>
               <a:ext uri="{FF2B5EF4-FFF2-40B4-BE49-F238E27FC236}">
-                <a16:creationId xmlns:a16="http://schemas.microsoft.com/office/drawing/2014/main" xmlns="" id="{58C3AA93-615D-9F44-B0FC-ED4EA61B42AE}"/>
+                <a16:creationId xmlns="" xmlns:a16="http://schemas.microsoft.com/office/drawing/2014/main" id="{58C3AA93-615D-9F44-B0FC-ED4EA61B42AE}"/>
               </a:ext>
             </a:extLst>
           </p:cNvPr>
@@ -6877,7 +6883,7 @@
           <p:cNvPr id="11" name="TextBox 10">
             <a:extLst>
               <a:ext uri="{FF2B5EF4-FFF2-40B4-BE49-F238E27FC236}">
-                <a16:creationId xmlns:a16="http://schemas.microsoft.com/office/drawing/2014/main" xmlns="" id="{DF6BD35B-418B-A5A4-9972-9DA9AB672362}"/>
+                <a16:creationId xmlns="" xmlns:a16="http://schemas.microsoft.com/office/drawing/2014/main" id="{DF6BD35B-418B-A5A4-9972-9DA9AB672362}"/>
               </a:ext>
             </a:extLst>
           </p:cNvPr>
@@ -7271,7 +7277,7 @@
           <p:cNvPr id="9" name="TextBox 8">
             <a:extLst>
               <a:ext uri="{FF2B5EF4-FFF2-40B4-BE49-F238E27FC236}">
-                <a16:creationId xmlns:a16="http://schemas.microsoft.com/office/drawing/2014/main" xmlns="" id="{02F7B223-F16A-9584-D727-F2DF4E32F0CB}"/>
+                <a16:creationId xmlns="" xmlns:a16="http://schemas.microsoft.com/office/drawing/2014/main" id="{02F7B223-F16A-9584-D727-F2DF4E32F0CB}"/>
               </a:ext>
             </a:extLst>
           </p:cNvPr>
@@ -7603,7 +7609,7 @@
           <p:cNvPr id="12" name="TextBox 11">
             <a:extLst>
               <a:ext uri="{FF2B5EF4-FFF2-40B4-BE49-F238E27FC236}">
-                <a16:creationId xmlns:a16="http://schemas.microsoft.com/office/drawing/2014/main" xmlns="" id="{A35440F0-A81F-208B-D7F3-6B59BBF723D5}"/>
+                <a16:creationId xmlns="" xmlns:a16="http://schemas.microsoft.com/office/drawing/2014/main" id="{A35440F0-A81F-208B-D7F3-6B59BBF723D5}"/>
               </a:ext>
             </a:extLst>
           </p:cNvPr>
@@ -7904,7 +7910,7 @@
           <p:cNvPr id="3" name="TextBox 2">
             <a:extLst>
               <a:ext uri="{FF2B5EF4-FFF2-40B4-BE49-F238E27FC236}">
-                <a16:creationId xmlns:a16="http://schemas.microsoft.com/office/drawing/2014/main" xmlns="" id="{3903799C-3CEF-CF3E-F4C3-40C886CCC887}"/>
+                <a16:creationId xmlns="" xmlns:a16="http://schemas.microsoft.com/office/drawing/2014/main" id="{3903799C-3CEF-CF3E-F4C3-40C886CCC887}"/>
               </a:ext>
             </a:extLst>
           </p:cNvPr>
@@ -8048,7 +8054,7 @@
           <p:cNvPr id="2" name="Title 1">
             <a:extLst>
               <a:ext uri="{FF2B5EF4-FFF2-40B4-BE49-F238E27FC236}">
-                <a16:creationId xmlns:a16="http://schemas.microsoft.com/office/drawing/2014/main" xmlns="" id="{6E06195E-16D6-79D8-7A9F-F8EB1FE9E212}"/>
+                <a16:creationId xmlns="" xmlns:a16="http://schemas.microsoft.com/office/drawing/2014/main" id="{6E06195E-16D6-79D8-7A9F-F8EB1FE9E212}"/>
               </a:ext>
             </a:extLst>
           </p:cNvPr>
@@ -8076,7 +8082,7 @@
           <p:cNvPr id="4" name="TextBox 3">
             <a:extLst>
               <a:ext uri="{FF2B5EF4-FFF2-40B4-BE49-F238E27FC236}">
-                <a16:creationId xmlns:a16="http://schemas.microsoft.com/office/drawing/2014/main" xmlns="" id="{47F88B28-01F5-F455-E068-13DD203AE42C}"/>
+                <a16:creationId xmlns="" xmlns:a16="http://schemas.microsoft.com/office/drawing/2014/main" id="{47F88B28-01F5-F455-E068-13DD203AE42C}"/>
               </a:ext>
             </a:extLst>
           </p:cNvPr>
